--- a/PPT/Lec6/6-Laravel Model.pptx
+++ b/PPT/Lec6/6-Laravel Model.pptx
@@ -5,7 +5,7 @@
     <p:sldMasterId id="2147483660" r:id="rId1"/>
   </p:sldMasterIdLst>
   <p:notesMasterIdLst>
-    <p:notesMasterId r:id="rId8"/>
+    <p:notesMasterId r:id="rId9"/>
   </p:notesMasterIdLst>
   <p:sldIdLst>
     <p:sldId id="307" r:id="rId2"/>
@@ -14,6 +14,7 @@
     <p:sldId id="308" r:id="rId5"/>
     <p:sldId id="309" r:id="rId6"/>
     <p:sldId id="310" r:id="rId7"/>
+    <p:sldId id="311" r:id="rId8"/>
   </p:sldIdLst>
   <p:sldSz cx="9144000" cy="6858000" type="screen4x3"/>
   <p:notesSz cx="6858000" cy="9144000"/>
@@ -198,7 +199,7 @@
             <a:fld id="{EA38CB6D-63C9-464B-889E-D8FE438905A2}" type="datetimeFigureOut">
               <a:rPr lang="ar-EG" smtClean="0"/>
               <a:pPr/>
-              <a:t>02/04/1440</a:t>
+              <a:t>05/04/1440</a:t>
             </a:fld>
             <a:endParaRPr lang="ar-EG"/>
           </a:p>
@@ -646,7 +647,7 @@
             <a:fld id="{1D8BD707-D9CF-40AE-B4C6-C98DA3205C09}" type="datetimeFigureOut">
               <a:rPr lang="en-US" smtClean="0"/>
               <a:pPr/>
-              <a:t>12/10/2018</a:t>
+              <a:t>12/13/2018</a:t>
             </a:fld>
             <a:endParaRPr lang="en-US"/>
           </a:p>
@@ -813,7 +814,7 @@
             <a:fld id="{1D8BD707-D9CF-40AE-B4C6-C98DA3205C09}" type="datetimeFigureOut">
               <a:rPr lang="en-US" smtClean="0"/>
               <a:pPr/>
-              <a:t>12/10/2018</a:t>
+              <a:t>12/13/2018</a:t>
             </a:fld>
             <a:endParaRPr lang="en-US"/>
           </a:p>
@@ -990,7 +991,7 @@
             <a:fld id="{1D8BD707-D9CF-40AE-B4C6-C98DA3205C09}" type="datetimeFigureOut">
               <a:rPr lang="en-US" smtClean="0"/>
               <a:pPr/>
-              <a:t>12/10/2018</a:t>
+              <a:t>12/13/2018</a:t>
             </a:fld>
             <a:endParaRPr lang="en-US"/>
           </a:p>
@@ -1157,7 +1158,7 @@
             <a:fld id="{1D8BD707-D9CF-40AE-B4C6-C98DA3205C09}" type="datetimeFigureOut">
               <a:rPr lang="en-US" smtClean="0"/>
               <a:pPr/>
-              <a:t>12/10/2018</a:t>
+              <a:t>12/13/2018</a:t>
             </a:fld>
             <a:endParaRPr lang="en-US"/>
           </a:p>
@@ -1400,7 +1401,7 @@
             <a:fld id="{1D8BD707-D9CF-40AE-B4C6-C98DA3205C09}" type="datetimeFigureOut">
               <a:rPr lang="en-US" smtClean="0"/>
               <a:pPr/>
-              <a:t>12/10/2018</a:t>
+              <a:t>12/13/2018</a:t>
             </a:fld>
             <a:endParaRPr lang="en-US"/>
           </a:p>
@@ -1685,7 +1686,7 @@
             <a:fld id="{1D8BD707-D9CF-40AE-B4C6-C98DA3205C09}" type="datetimeFigureOut">
               <a:rPr lang="en-US" smtClean="0"/>
               <a:pPr/>
-              <a:t>12/10/2018</a:t>
+              <a:t>12/13/2018</a:t>
             </a:fld>
             <a:endParaRPr lang="en-US"/>
           </a:p>
@@ -2104,7 +2105,7 @@
             <a:fld id="{1D8BD707-D9CF-40AE-B4C6-C98DA3205C09}" type="datetimeFigureOut">
               <a:rPr lang="en-US" smtClean="0"/>
               <a:pPr/>
-              <a:t>12/10/2018</a:t>
+              <a:t>12/13/2018</a:t>
             </a:fld>
             <a:endParaRPr lang="en-US"/>
           </a:p>
@@ -2219,7 +2220,7 @@
             <a:fld id="{1D8BD707-D9CF-40AE-B4C6-C98DA3205C09}" type="datetimeFigureOut">
               <a:rPr lang="en-US" smtClean="0"/>
               <a:pPr/>
-              <a:t>12/10/2018</a:t>
+              <a:t>12/13/2018</a:t>
             </a:fld>
             <a:endParaRPr lang="en-US"/>
           </a:p>
@@ -2311,7 +2312,7 @@
             <a:fld id="{1D8BD707-D9CF-40AE-B4C6-C98DA3205C09}" type="datetimeFigureOut">
               <a:rPr lang="en-US" smtClean="0"/>
               <a:pPr/>
-              <a:t>12/10/2018</a:t>
+              <a:t>12/13/2018</a:t>
             </a:fld>
             <a:endParaRPr lang="en-US"/>
           </a:p>
@@ -2585,7 +2586,7 @@
             <a:fld id="{1D8BD707-D9CF-40AE-B4C6-C98DA3205C09}" type="datetimeFigureOut">
               <a:rPr lang="en-US" smtClean="0"/>
               <a:pPr/>
-              <a:t>12/10/2018</a:t>
+              <a:t>12/13/2018</a:t>
             </a:fld>
             <a:endParaRPr lang="en-US"/>
           </a:p>
@@ -2835,7 +2836,7 @@
             <a:fld id="{1D8BD707-D9CF-40AE-B4C6-C98DA3205C09}" type="datetimeFigureOut">
               <a:rPr lang="en-US" smtClean="0"/>
               <a:pPr/>
-              <a:t>12/10/2018</a:t>
+              <a:t>12/13/2018</a:t>
             </a:fld>
             <a:endParaRPr lang="en-US"/>
           </a:p>
@@ -3045,7 +3046,7 @@
             <a:fld id="{1D8BD707-D9CF-40AE-B4C6-C98DA3205C09}" type="datetimeFigureOut">
               <a:rPr lang="en-US" smtClean="0"/>
               <a:pPr/>
-              <a:t>12/10/2018</a:t>
+              <a:t>12/13/2018</a:t>
             </a:fld>
             <a:endParaRPr lang="en-US"/>
           </a:p>
@@ -3583,15 +3584,7 @@
                   <a:srgbClr val="00B050"/>
                 </a:solidFill>
               </a:rPr>
-              <a:t>// To Create  </a:t>
-            </a:r>
-            <a:r>
-              <a:rPr lang="en-US" sz="2000" b="1" dirty="0" smtClean="0">
-                <a:solidFill>
-                  <a:srgbClr val="00B050"/>
-                </a:solidFill>
-              </a:rPr>
-              <a:t>model</a:t>
+              <a:t>// To Create  model</a:t>
             </a:r>
           </a:p>
           <a:p>
@@ -3603,13 +3596,7 @@
               <a:rPr lang="en-US" sz="2000" b="1" dirty="0" smtClean="0">
                 <a:hlinkClick r:id="rId2"/>
               </a:rPr>
-              <a:t>Defining </a:t>
-            </a:r>
-            <a:r>
-              <a:rPr lang="en-US" sz="2000" b="1" dirty="0" smtClean="0">
-                <a:hlinkClick r:id="rId2"/>
-              </a:rPr>
-              <a:t>Models</a:t>
+              <a:t>Defining Models</a:t>
             </a:r>
             <a:endParaRPr lang="en-US" sz="2000" b="1" dirty="0" smtClean="0"/>
           </a:p>
@@ -3622,13 +3609,7 @@
               <a:rPr lang="en-US" sz="2000" b="1" dirty="0" smtClean="0">
                 <a:hlinkClick r:id="rId2"/>
               </a:rPr>
-              <a:t>Retrieving </a:t>
-            </a:r>
-            <a:r>
-              <a:rPr lang="en-US" sz="2000" b="1" dirty="0" smtClean="0">
-                <a:hlinkClick r:id="rId2"/>
-              </a:rPr>
-              <a:t>Models</a:t>
+              <a:t>Retrieving Models</a:t>
             </a:r>
             <a:endParaRPr lang="en-US" sz="2000" b="1" dirty="0" smtClean="0"/>
           </a:p>
@@ -3641,13 +3622,7 @@
               <a:rPr lang="en-US" sz="2000" b="1" dirty="0" smtClean="0">
                 <a:hlinkClick r:id="rId2"/>
               </a:rPr>
-              <a:t>Inserting &amp; </a:t>
-            </a:r>
-            <a:r>
-              <a:rPr lang="en-US" sz="2000" b="1" dirty="0" smtClean="0">
-                <a:hlinkClick r:id="rId2"/>
-              </a:rPr>
-              <a:t>Updating &amp; Deleting Models</a:t>
+              <a:t>Inserting &amp; Updating &amp; Deleting Models</a:t>
             </a:r>
             <a:endParaRPr lang="en-US" sz="2000" b="1" dirty="0" smtClean="0"/>
           </a:p>
@@ -4113,11 +4088,7 @@
             <a:pPr lvl="1"/>
             <a:r>
               <a:rPr lang="en-US" dirty="0" smtClean="0"/>
-              <a:t>protected </a:t>
-            </a:r>
-            <a:r>
-              <a:rPr lang="en-US" dirty="0" smtClean="0"/>
-              <a:t>$table = '</a:t>
+              <a:t>protected $table = '</a:t>
             </a:r>
             <a:r>
               <a:rPr lang="en-US" dirty="0" err="1" smtClean="0"/>
@@ -4148,11 +4119,7 @@
             </a:r>
             <a:r>
               <a:rPr lang="en-US" dirty="0" smtClean="0"/>
-              <a:t>', </a:t>
-            </a:r>
-            <a:r>
-              <a:rPr lang="en-US" dirty="0" smtClean="0"/>
-              <a:t>'</a:t>
+              <a:t>', '</a:t>
             </a:r>
             <a:r>
               <a:rPr lang="en-US" dirty="0" err="1" smtClean="0"/>
@@ -4162,7 +4129,6 @@
               <a:rPr lang="en-US" dirty="0" smtClean="0"/>
               <a:t>'];</a:t>
             </a:r>
-            <a:endParaRPr lang="en-US" dirty="0" smtClean="0"/>
           </a:p>
           <a:p>
             <a:pPr lvl="1"/>
@@ -4191,11 +4157,7 @@
             <a:pPr lvl="1"/>
             <a:r>
               <a:rPr lang="en-US" dirty="0" smtClean="0"/>
-              <a:t>public $timestamps = </a:t>
-            </a:r>
-            <a:r>
-              <a:rPr lang="en-US" dirty="0" smtClean="0"/>
-              <a:t>false;</a:t>
+              <a:t>public $timestamps = false;</a:t>
             </a:r>
           </a:p>
           <a:p>
@@ -4212,17 +4174,12 @@
               <a:rPr lang="en-US" dirty="0" smtClean="0"/>
               <a:t>'; </a:t>
             </a:r>
-            <a:endParaRPr lang="en-US" dirty="0" smtClean="0"/>
           </a:p>
           <a:p>
             <a:pPr lvl="1"/>
             <a:r>
               <a:rPr lang="en-US" dirty="0" smtClean="0"/>
-              <a:t>const </a:t>
-            </a:r>
-            <a:r>
-              <a:rPr lang="en-US" dirty="0" smtClean="0"/>
-              <a:t>UPDATED_AT = '</a:t>
+              <a:t>const UPDATED_AT = '</a:t>
             </a:r>
             <a:r>
               <a:rPr lang="en-US" dirty="0" err="1" smtClean="0"/>
@@ -4246,19 +4203,7 @@
             <a:pPr lvl="1"/>
             <a:r>
               <a:rPr lang="en-US" dirty="0" smtClean="0"/>
-              <a:t>protected </a:t>
-            </a:r>
-            <a:r>
-              <a:rPr lang="en-US" dirty="0" smtClean="0"/>
-              <a:t>$attributes = [ 'delayed' =&gt; </a:t>
-            </a:r>
-            <a:r>
-              <a:rPr lang="en-US" dirty="0" smtClean="0"/>
-              <a:t>false </a:t>
-            </a:r>
-            <a:r>
-              <a:rPr lang="en-US" dirty="0" smtClean="0"/>
-              <a:t>];</a:t>
+              <a:t>protected $attributes = [ 'delayed' =&gt; false ];</a:t>
             </a:r>
           </a:p>
           <a:p>
@@ -4337,15 +4282,7 @@
           <a:p>
             <a:r>
               <a:rPr lang="en-US" b="1" dirty="0" smtClean="0"/>
-              <a:t>Retrieve </a:t>
-            </a:r>
-            <a:r>
-              <a:rPr lang="en-US" b="1" dirty="0" smtClean="0"/>
-              <a:t>a model by its primary </a:t>
-            </a:r>
-            <a:r>
-              <a:rPr lang="en-US" b="1" dirty="0" smtClean="0"/>
-              <a:t>key</a:t>
+              <a:t>Retrieve a model by its primary key</a:t>
             </a:r>
           </a:p>
           <a:p>
@@ -4355,25 +4292,44 @@
               <a:t>$</a:t>
             </a:r>
             <a:r>
-              <a:rPr lang="en-US" dirty="0" smtClean="0"/>
-              <a:t>flight = App\Flight::find(1</a:t>
-            </a:r>
-            <a:r>
-              <a:rPr lang="en-US" dirty="0" smtClean="0"/>
-              <a:t>);</a:t>
+              <a:rPr lang="en-US" dirty="0" err="1" smtClean="0"/>
+              <a:t>Emp</a:t>
+            </a:r>
+            <a:r>
+              <a:rPr lang="en-US" dirty="0" smtClean="0"/>
+              <a:t>= App\</a:t>
+            </a:r>
+            <a:r>
+              <a:rPr lang="en-US" dirty="0" err="1" smtClean="0"/>
+              <a:t>Emp</a:t>
+            </a:r>
+            <a:r>
+              <a:rPr lang="en-US" dirty="0" smtClean="0"/>
+              <a:t>::find(1);</a:t>
             </a:r>
           </a:p>
           <a:p>
             <a:pPr lvl="1"/>
             <a:r>
               <a:rPr lang="en-US" dirty="0" smtClean="0"/>
-              <a:t>$flights = App\Flight::find([1, 2, 3</a:t>
-            </a:r>
-            <a:r>
-              <a:rPr lang="en-US" dirty="0" smtClean="0"/>
-              <a:t>]);</a:t>
-            </a:r>
-            <a:endParaRPr lang="en-US" dirty="0" smtClean="0"/>
+              <a:t>$</a:t>
+            </a:r>
+            <a:r>
+              <a:rPr lang="en-US" dirty="0" err="1" smtClean="0"/>
+              <a:t>Emps</a:t>
+            </a:r>
+            <a:r>
+              <a:rPr lang="en-US" dirty="0" smtClean="0"/>
+              <a:t> = App\</a:t>
+            </a:r>
+            <a:r>
+              <a:rPr lang="en-US" dirty="0" err="1" smtClean="0"/>
+              <a:t>Emp</a:t>
+            </a:r>
+            <a:r>
+              <a:rPr lang="en-US" dirty="0" smtClean="0"/>
+              <a:t>::find([1, 2, 3]);</a:t>
+            </a:r>
           </a:p>
           <a:p>
             <a:r>
@@ -4384,7 +4340,6 @@
               <a:rPr lang="en-US" sz="3600" b="1" dirty="0" smtClean="0"/>
               <a:t>Retrieve the first model matching </a:t>
             </a:r>
-            <a:endParaRPr lang="en-US" sz="3600" b="1" dirty="0" smtClean="0"/>
           </a:p>
           <a:p>
             <a:pPr lvl="1"/>
@@ -4393,103 +4348,87 @@
               <a:t>$</a:t>
             </a:r>
             <a:r>
-              <a:rPr lang="en-US" dirty="0" smtClean="0"/>
-              <a:t>flight = App\Flight::where('active', 1)-&gt;first</a:t>
-            </a:r>
-            <a:r>
-              <a:rPr lang="en-US" dirty="0" smtClean="0"/>
-              <a:t>();</a:t>
+              <a:rPr lang="en-US" dirty="0" err="1" smtClean="0"/>
+              <a:t>Emp</a:t>
+            </a:r>
+            <a:r>
+              <a:rPr lang="en-US" dirty="0" smtClean="0"/>
+              <a:t>= App\</a:t>
+            </a:r>
+            <a:r>
+              <a:rPr lang="en-US" dirty="0" err="1" smtClean="0"/>
+              <a:t>Emp</a:t>
+            </a:r>
+            <a:r>
+              <a:rPr lang="en-US" dirty="0" smtClean="0"/>
+              <a:t>::where('active', 1)-&gt;first();</a:t>
             </a:r>
           </a:p>
           <a:p>
             <a:r>
               <a:rPr lang="en-US" b="1" dirty="0" smtClean="0"/>
-              <a:t>Retrieving </a:t>
-            </a:r>
-            <a:r>
-              <a:rPr lang="en-US" b="1" dirty="0" smtClean="0"/>
-              <a:t>Aggregates</a:t>
+              <a:t>Retrieving Aggregates</a:t>
             </a:r>
           </a:p>
           <a:p>
             <a:pPr lvl="1"/>
             <a:r>
               <a:rPr lang="en-US" sz="2400" dirty="0" smtClean="0"/>
-              <a:t>$count = App\Flight::where('active', 1)-&gt;count</a:t>
+              <a:t>$count = App\</a:t>
+            </a:r>
+            <a:r>
+              <a:rPr lang="en-US" sz="2400" dirty="0" err="1" smtClean="0"/>
+              <a:t>Emp</a:t>
             </a:r>
             <a:r>
               <a:rPr lang="en-US" sz="2400" dirty="0" smtClean="0"/>
-              <a:t>();</a:t>
+              <a:t>::where('active', 1)-&gt;count();</a:t>
             </a:r>
           </a:p>
           <a:p>
             <a:pPr lvl="1"/>
             <a:r>
               <a:rPr lang="en-US" sz="2400" dirty="0" smtClean="0"/>
-              <a:t>$</a:t>
+              <a:t>$max = App\</a:t>
+            </a:r>
+            <a:r>
+              <a:rPr lang="en-US" sz="2400" dirty="0" err="1" smtClean="0"/>
+              <a:t>Emp</a:t>
             </a:r>
             <a:r>
               <a:rPr lang="en-US" sz="2400" dirty="0" smtClean="0"/>
-              <a:t>max = App\Flight::where('active', 1)-&gt;max('price</a:t>
-            </a:r>
+              <a:t>::where('active', 1)-&gt;max('price');</a:t>
+            </a:r>
+          </a:p>
+          <a:p>
+            <a:pPr lvl="1"/>
             <a:r>
               <a:rPr lang="en-US" sz="2400" dirty="0" smtClean="0"/>
-              <a:t>');</a:t>
-            </a:r>
+              <a:t>$sum= App\</a:t>
+            </a:r>
+            <a:r>
+              <a:rPr lang="en-US" sz="2400" dirty="0" err="1" smtClean="0"/>
+              <a:t>Emp</a:t>
+            </a:r>
+            <a:r>
+              <a:rPr lang="en-US" sz="2400" dirty="0" smtClean="0"/>
+              <a:t>::where('active', 1)-&gt;sum ('price');</a:t>
+            </a:r>
+            <a:endParaRPr lang="en-US" sz="2400" b="1" dirty="0" smtClean="0"/>
           </a:p>
           <a:p>
             <a:pPr lvl="1"/>
             <a:r>
               <a:rPr lang="en-US" sz="2400" dirty="0" smtClean="0"/>
-              <a:t>$</a:t>
+              <a:t>$min= App\</a:t>
+            </a:r>
+            <a:r>
+              <a:rPr lang="en-US" sz="2400" dirty="0" err="1" smtClean="0"/>
+              <a:t>Emp</a:t>
             </a:r>
             <a:r>
               <a:rPr lang="en-US" sz="2400" dirty="0" smtClean="0"/>
-              <a:t>sum</a:t>
-            </a:r>
-            <a:r>
-              <a:rPr lang="en-US" sz="2400" dirty="0" smtClean="0"/>
-              <a:t>= </a:t>
-            </a:r>
-            <a:r>
-              <a:rPr lang="en-US" sz="2400" dirty="0" smtClean="0"/>
-              <a:t>App\Flight::where('active', 1</a:t>
-            </a:r>
-            <a:r>
-              <a:rPr lang="en-US" sz="2400" dirty="0" smtClean="0"/>
-              <a:t>)-&gt;</a:t>
-            </a:r>
-            <a:r>
-              <a:rPr lang="en-US" sz="2400" dirty="0" smtClean="0"/>
-              <a:t>sum </a:t>
-            </a:r>
-            <a:r>
-              <a:rPr lang="en-US" sz="2400" dirty="0" smtClean="0"/>
-              <a:t>(</a:t>
-            </a:r>
-            <a:r>
-              <a:rPr lang="en-US" sz="2400" dirty="0" smtClean="0"/>
-              <a:t>'price');</a:t>
-            </a:r>
-            <a:endParaRPr lang="en-US" sz="2400" b="1" dirty="0" smtClean="0"/>
-          </a:p>
-          <a:p>
-            <a:pPr lvl="1"/>
-            <a:r>
-              <a:rPr lang="en-US" sz="2400" dirty="0" smtClean="0"/>
-              <a:t>$min= </a:t>
-            </a:r>
-            <a:r>
-              <a:rPr lang="en-US" sz="2400" dirty="0" smtClean="0"/>
-              <a:t>App\Flight::where('active', 1</a:t>
-            </a:r>
-            <a:r>
-              <a:rPr lang="en-US" sz="2400" dirty="0" smtClean="0"/>
-              <a:t>)-&gt;min(</a:t>
-            </a:r>
-            <a:r>
-              <a:rPr lang="en-US" sz="2400" dirty="0" smtClean="0"/>
-              <a:t>'price');</a:t>
+              <a:t>::where('active', 1)-&gt;min('price');</a:t>
             </a:r>
             <a:endParaRPr lang="en-US" sz="2400" b="1" dirty="0" smtClean="0"/>
           </a:p>
@@ -4577,8 +4516,33 @@
           <a:p>
             <a:r>
               <a:rPr lang="en-US" b="1" dirty="0" smtClean="0"/>
-              <a:t>Inserts</a:t>
-            </a:r>
+              <a:t>Inserts	 </a:t>
+            </a:r>
+            <a:r>
+              <a:rPr lang="en-US" sz="2300" dirty="0" smtClean="0"/>
+              <a:t>{{ route(</a:t>
+            </a:r>
+            <a:r>
+              <a:rPr lang="en-US" sz="2300" dirty="0" smtClean="0">
+                <a:solidFill>
+                  <a:srgbClr val="C00000"/>
+                </a:solidFill>
+              </a:rPr>
+              <a:t>'</a:t>
+            </a:r>
+            <a:r>
+              <a:rPr lang="en-US" sz="2300" dirty="0" err="1" smtClean="0">
+                <a:solidFill>
+                  <a:srgbClr val="C00000"/>
+                </a:solidFill>
+              </a:rPr>
+              <a:t>Emp.store</a:t>
+            </a:r>
+            <a:r>
+              <a:rPr lang="en-US" sz="2300" dirty="0" smtClean="0"/>
+              <a:t>') }}</a:t>
+            </a:r>
+            <a:endParaRPr lang="en-US" dirty="0" smtClean="0"/>
           </a:p>
           <a:p>
             <a:pPr lvl="1"/>
@@ -4587,8 +4551,16 @@
               <a:t>$</a:t>
             </a:r>
             <a:r>
-              <a:rPr lang="en-US" dirty="0" smtClean="0"/>
-              <a:t>flight = new Flight</a:t>
+              <a:rPr lang="en-US" dirty="0" err="1" smtClean="0"/>
+              <a:t>Emp</a:t>
+            </a:r>
+            <a:r>
+              <a:rPr lang="en-US" dirty="0" smtClean="0"/>
+              <a:t>= new </a:t>
+            </a:r>
+            <a:r>
+              <a:rPr lang="en-US" dirty="0" err="1" smtClean="0"/>
+              <a:t>Emp</a:t>
             </a:r>
             <a:r>
               <a:rPr lang="en-US" dirty="0" smtClean="0"/>
@@ -4599,11 +4571,469 @@
             <a:pPr lvl="1"/>
             <a:r>
               <a:rPr lang="en-US" dirty="0" smtClean="0"/>
+              <a:t> $</a:t>
+            </a:r>
+            <a:r>
+              <a:rPr lang="en-US" dirty="0" err="1" smtClean="0"/>
+              <a:t>Emp</a:t>
+            </a:r>
+            <a:r>
+              <a:rPr lang="en-US" dirty="0" smtClean="0"/>
+              <a:t>-&gt;name = $request-&gt;name;</a:t>
+            </a:r>
+          </a:p>
+          <a:p>
+            <a:pPr lvl="1"/>
+            <a:r>
+              <a:rPr lang="en-US" dirty="0" smtClean="0"/>
+              <a:t> $</a:t>
+            </a:r>
+            <a:r>
+              <a:rPr lang="en-US" dirty="0" err="1" smtClean="0"/>
+              <a:t>Emp</a:t>
+            </a:r>
+            <a:r>
+              <a:rPr lang="en-US" dirty="0" smtClean="0"/>
+              <a:t>-&gt;save();</a:t>
+            </a:r>
+          </a:p>
+          <a:p>
+            <a:r>
+              <a:rPr lang="en-US" b="1" dirty="0" smtClean="0"/>
+              <a:t>Updates 	</a:t>
+            </a:r>
+            <a:r>
+              <a:rPr lang="en-US" sz="2100" dirty="0" smtClean="0"/>
+              <a:t>{{ route('</a:t>
+            </a:r>
+            <a:r>
+              <a:rPr lang="en-US" sz="2100" dirty="0" err="1" smtClean="0">
+                <a:solidFill>
+                  <a:srgbClr val="C00000"/>
+                </a:solidFill>
+              </a:rPr>
+              <a:t>Emp.update</a:t>
+            </a:r>
+            <a:r>
+              <a:rPr lang="en-US" sz="2100" dirty="0" smtClean="0"/>
+              <a:t>',[$</a:t>
+            </a:r>
+            <a:r>
+              <a:rPr lang="en-US" sz="2100" dirty="0" err="1" smtClean="0"/>
+              <a:t>emp</a:t>
+            </a:r>
+            <a:r>
+              <a:rPr lang="en-US" sz="2100" dirty="0" smtClean="0"/>
+              <a:t>-&gt;</a:t>
+            </a:r>
+            <a:r>
+              <a:rPr lang="en-US" sz="2100" dirty="0" err="1" smtClean="0"/>
+              <a:t>EmpID</a:t>
+            </a:r>
+            <a:r>
+              <a:rPr lang="en-US" sz="2100" dirty="0" smtClean="0"/>
+              <a:t>]) }}</a:t>
+            </a:r>
+          </a:p>
+          <a:p>
+            <a:pPr lvl="1"/>
+            <a:r>
+              <a:rPr lang="en-US" dirty="0" smtClean="0"/>
+              <a:t>$</a:t>
+            </a:r>
+            <a:r>
+              <a:rPr lang="en-US" dirty="0" err="1" smtClean="0"/>
+              <a:t>Emp</a:t>
+            </a:r>
+            <a:r>
+              <a:rPr lang="en-US" dirty="0" smtClean="0"/>
+              <a:t>= App\</a:t>
+            </a:r>
+            <a:r>
+              <a:rPr lang="en-US" dirty="0" err="1" smtClean="0"/>
+              <a:t>Emp</a:t>
+            </a:r>
+            <a:r>
+              <a:rPr lang="en-US" dirty="0" smtClean="0"/>
+              <a:t>::find(1); </a:t>
+            </a:r>
+          </a:p>
+          <a:p>
+            <a:pPr lvl="1"/>
+            <a:r>
+              <a:rPr lang="en-US" dirty="0" smtClean="0"/>
+              <a:t>$</a:t>
+            </a:r>
+            <a:r>
+              <a:rPr lang="en-US" dirty="0" err="1" smtClean="0"/>
+              <a:t>Emp</a:t>
+            </a:r>
+            <a:r>
+              <a:rPr lang="en-US" dirty="0" smtClean="0"/>
+              <a:t>-&gt;name = 'New </a:t>
+            </a:r>
+            <a:r>
+              <a:rPr lang="en-US" dirty="0" err="1" smtClean="0"/>
+              <a:t>EmpName</a:t>
+            </a:r>
+            <a:r>
+              <a:rPr lang="en-US" dirty="0" smtClean="0"/>
+              <a:t>';</a:t>
+            </a:r>
+          </a:p>
+          <a:p>
+            <a:pPr lvl="1"/>
+            <a:r>
+              <a:rPr lang="en-US" dirty="0" smtClean="0"/>
+              <a:t> $</a:t>
+            </a:r>
+            <a:r>
+              <a:rPr lang="en-US" dirty="0" err="1" smtClean="0"/>
+              <a:t>Emp</a:t>
+            </a:r>
+            <a:r>
+              <a:rPr lang="en-US" dirty="0" smtClean="0"/>
+              <a:t>-&gt;save();</a:t>
+            </a:r>
+          </a:p>
+          <a:p>
+            <a:r>
+              <a:rPr lang="en-US" b="1" dirty="0" smtClean="0"/>
+              <a:t>Deleting	</a:t>
+            </a:r>
+            <a:r>
+              <a:rPr lang="en-US" sz="2300" dirty="0" smtClean="0"/>
+              <a:t>{{ route('</a:t>
+            </a:r>
+            <a:r>
+              <a:rPr lang="en-US" sz="2300" dirty="0" err="1" smtClean="0">
+                <a:solidFill>
+                  <a:srgbClr val="C00000"/>
+                </a:solidFill>
+              </a:rPr>
+              <a:t>Emp.Delete</a:t>
+            </a:r>
+            <a:r>
+              <a:rPr lang="en-US" sz="2300" dirty="0" smtClean="0"/>
+              <a:t>',[$</a:t>
+            </a:r>
+            <a:r>
+              <a:rPr lang="en-US" sz="2300" dirty="0" err="1" smtClean="0"/>
+              <a:t>emp</a:t>
+            </a:r>
+            <a:r>
+              <a:rPr lang="en-US" sz="2300" dirty="0" smtClean="0"/>
+              <a:t>-&gt;</a:t>
+            </a:r>
+            <a:r>
+              <a:rPr lang="en-US" sz="2300" dirty="0" err="1" smtClean="0"/>
+              <a:t>EmpID</a:t>
+            </a:r>
+            <a:r>
+              <a:rPr lang="en-US" sz="2300" dirty="0" smtClean="0"/>
+              <a:t>]) }}</a:t>
+            </a:r>
+          </a:p>
+          <a:p>
+            <a:pPr lvl="1"/>
+            <a:r>
+              <a:rPr lang="en-US" dirty="0" smtClean="0"/>
+              <a:t>$</a:t>
+            </a:r>
+            <a:r>
+              <a:rPr lang="en-US" dirty="0" err="1" smtClean="0"/>
+              <a:t>Emp</a:t>
+            </a:r>
+            <a:r>
+              <a:rPr lang="en-US" dirty="0" smtClean="0"/>
+              <a:t>= App\</a:t>
+            </a:r>
+            <a:r>
+              <a:rPr lang="en-US" dirty="0" err="1" smtClean="0"/>
+              <a:t>Emp</a:t>
+            </a:r>
+            <a:r>
+              <a:rPr lang="en-US" dirty="0" smtClean="0"/>
+              <a:t>::find(1);</a:t>
+            </a:r>
+          </a:p>
+          <a:p>
+            <a:pPr lvl="1"/>
+            <a:r>
+              <a:rPr lang="en-US" dirty="0" smtClean="0"/>
+              <a:t> $</a:t>
+            </a:r>
+            <a:r>
+              <a:rPr lang="en-US" dirty="0" err="1" smtClean="0"/>
+              <a:t>Emp</a:t>
+            </a:r>
+            <a:r>
+              <a:rPr lang="en-US" dirty="0" smtClean="0"/>
+              <a:t>-&gt;delete();</a:t>
+            </a:r>
+          </a:p>
+          <a:p>
+            <a:pPr lvl="1"/>
+            <a:r>
+              <a:rPr lang="en-US" dirty="0" smtClean="0"/>
+              <a:t>App\</a:t>
+            </a:r>
+            <a:r>
+              <a:rPr lang="en-US" dirty="0" err="1" smtClean="0"/>
+              <a:t>Emp</a:t>
+            </a:r>
+            <a:r>
+              <a:rPr lang="en-US" dirty="0" smtClean="0"/>
+              <a:t>::destroy(1, 2, 3);</a:t>
+            </a:r>
+          </a:p>
+          <a:p>
+            <a:endParaRPr lang="en-US" dirty="0" smtClean="0"/>
+          </a:p>
+          <a:p>
+            <a:pPr lvl="1"/>
+            <a:endParaRPr lang="en-US" dirty="0" smtClean="0"/>
+          </a:p>
+          <a:p>
+            <a:endParaRPr lang="en-US" dirty="0"/>
+          </a:p>
+        </p:txBody>
+      </p:sp>
+    </p:spTree>
+  </p:cSld>
+  <p:clrMapOvr>
+    <a:masterClrMapping/>
+  </p:clrMapOvr>
+</p:sld>
+</file>
+
+<file path=ppt/slides/slide7.xml><?xml version="1.0" encoding="utf-8"?>
+<p:sld xmlns:a="http://schemas.openxmlformats.org/drawingml/2006/main" xmlns:r="http://schemas.openxmlformats.org/officeDocument/2006/relationships" xmlns:p="http://schemas.openxmlformats.org/presentationml/2006/main">
+  <p:cSld>
+    <p:spTree>
+      <p:nvGrpSpPr>
+        <p:cNvPr id="1" name=""/>
+        <p:cNvGrpSpPr/>
+        <p:nvPr/>
+      </p:nvGrpSpPr>
+      <p:grpSpPr>
+        <a:xfrm>
+          <a:off x="0" y="0"/>
+          <a:ext cx="0" cy="0"/>
+          <a:chOff x="0" y="0"/>
+          <a:chExt cx="0" cy="0"/>
+        </a:xfrm>
+      </p:grpSpPr>
+      <p:sp>
+        <p:nvSpPr>
+          <p:cNvPr id="4" name="Title 1"/>
+          <p:cNvSpPr>
+            <a:spLocks noGrp="1"/>
+          </p:cNvSpPr>
+          <p:nvPr>
+            <p:ph type="title"/>
+          </p:nvPr>
+        </p:nvSpPr>
+        <p:spPr>
+          <a:xfrm>
+            <a:off x="457200" y="274638"/>
+            <a:ext cx="8229600" cy="1143000"/>
+          </a:xfrm>
+        </p:spPr>
+        <p:txBody>
+          <a:bodyPr>
+            <a:normAutofit fontScale="90000"/>
+          </a:bodyPr>
+          <a:lstStyle/>
+          <a:p>
+            <a:r>
+              <a:rPr lang="en-US" b="1" dirty="0" smtClean="0"/>
+              <a:t>EX</a:t>
+            </a:r>
+            <a:r>
+              <a:rPr lang="en-US" dirty="0" smtClean="0"/>
+              <a:t/>
+            </a:r>
+            <a:br>
+              <a:rPr lang="en-US" dirty="0" smtClean="0"/>
+            </a:br>
+            <a:endParaRPr lang="en-US" b="1" dirty="0" smtClean="0"/>
+          </a:p>
+        </p:txBody>
+      </p:sp>
+      <p:sp>
+        <p:nvSpPr>
+          <p:cNvPr id="5" name="Content Placeholder 3"/>
+          <p:cNvSpPr>
+            <a:spLocks noGrp="1"/>
+          </p:cNvSpPr>
+          <p:nvPr>
+            <p:ph idx="1"/>
+          </p:nvPr>
+        </p:nvSpPr>
+        <p:spPr>
+          <a:xfrm>
+            <a:off x="457200" y="1600200"/>
+            <a:ext cx="8229600" cy="4525963"/>
+          </a:xfrm>
+        </p:spPr>
+        <p:txBody>
+          <a:bodyPr>
+            <a:normAutofit/>
+          </a:bodyPr>
+          <a:lstStyle/>
+          <a:p>
+            <a:pPr>
+              <a:buNone/>
+            </a:pPr>
+            <a:r>
+              <a:rPr lang="en-US" sz="2400" dirty="0" smtClean="0"/>
+              <a:t>$request-&gt;validate</a:t>
+            </a:r>
+            <a:r>
+              <a:rPr lang="en-US" sz="2400" dirty="0" smtClean="0"/>
+              <a:t>([</a:t>
+            </a:r>
+          </a:p>
+          <a:p>
+            <a:pPr marL="342900" lvl="1" indent="-342900">
+              <a:buNone/>
+            </a:pPr>
+            <a:r>
+              <a:rPr lang="en-US" sz="2000" dirty="0" smtClean="0">
+                <a:solidFill>
+                  <a:srgbClr val="C00000"/>
+                </a:solidFill>
+              </a:rPr>
+              <a:t>	  '</a:t>
+            </a:r>
+            <a:r>
+              <a:rPr lang="en-US" sz="2000" dirty="0" smtClean="0"/>
               <a:t> </a:t>
             </a:r>
             <a:r>
-              <a:rPr lang="en-US" dirty="0" smtClean="0"/>
-              <a:t>$flight-&gt;name = $request-&gt;name</a:t>
+              <a:rPr lang="en-US" sz="2000" dirty="0" smtClean="0">
+                <a:solidFill>
+                  <a:srgbClr val="C00000"/>
+                </a:solidFill>
+              </a:rPr>
+              <a:t>name</a:t>
+            </a:r>
+            <a:r>
+              <a:rPr lang="en-US" sz="2000" dirty="0" smtClean="0"/>
+              <a:t>' </a:t>
+            </a:r>
+            <a:r>
+              <a:rPr lang="en-US" sz="2000" dirty="0" smtClean="0"/>
+              <a:t>=&gt; </a:t>
+            </a:r>
+            <a:r>
+              <a:rPr lang="en-US" sz="2000" dirty="0" smtClean="0">
+                <a:solidFill>
+                  <a:srgbClr val="C00000"/>
+                </a:solidFill>
+              </a:rPr>
+              <a:t>'required</a:t>
+            </a:r>
+            <a:r>
+              <a:rPr lang="en-US" sz="2000" dirty="0" smtClean="0"/>
+              <a:t>',</a:t>
+            </a:r>
+          </a:p>
+          <a:p>
+            <a:pPr lvl="1">
+              <a:buNone/>
+            </a:pPr>
+            <a:r>
+              <a:rPr lang="en-US" sz="2000" dirty="0" smtClean="0">
+                <a:solidFill>
+                  <a:srgbClr val="C00000"/>
+                </a:solidFill>
+              </a:rPr>
+              <a:t>'Email</a:t>
+            </a:r>
+            <a:r>
+              <a:rPr lang="en-US" sz="2000" dirty="0" smtClean="0"/>
+              <a:t>' =&gt; </a:t>
+            </a:r>
+            <a:r>
+              <a:rPr lang="en-US" sz="2000" dirty="0" smtClean="0">
+                <a:solidFill>
+                  <a:srgbClr val="C00000"/>
+                </a:solidFill>
+              </a:rPr>
+              <a:t>'required</a:t>
+            </a:r>
+            <a:r>
+              <a:rPr lang="en-US" sz="2000" dirty="0" smtClean="0"/>
+              <a:t>',</a:t>
+            </a:r>
+          </a:p>
+          <a:p>
+            <a:pPr lvl="1">
+              <a:buNone/>
+            </a:pPr>
+            <a:r>
+              <a:rPr lang="en-US" sz="2000" dirty="0" smtClean="0">
+                <a:solidFill>
+                  <a:srgbClr val="C00000"/>
+                </a:solidFill>
+              </a:rPr>
+              <a:t>'</a:t>
+            </a:r>
+            <a:r>
+              <a:rPr lang="en-US" sz="2000" dirty="0" err="1" smtClean="0">
+                <a:solidFill>
+                  <a:srgbClr val="C00000"/>
+                </a:solidFill>
+              </a:rPr>
+              <a:t>MylogoPhoto</a:t>
+            </a:r>
+            <a:r>
+              <a:rPr lang="en-US" sz="2000" dirty="0" smtClean="0"/>
+              <a:t>' =&gt; '</a:t>
+            </a:r>
+            <a:r>
+              <a:rPr lang="en-US" sz="2000" dirty="0" err="1" smtClean="0">
+                <a:solidFill>
+                  <a:srgbClr val="C00000"/>
+                </a:solidFill>
+              </a:rPr>
+              <a:t>required|image|mimes:jpeg,png,jpg,gif,svg</a:t>
+            </a:r>
+            <a:r>
+              <a:rPr lang="en-US" sz="2000" dirty="0" smtClean="0"/>
+              <a:t>'</a:t>
+            </a:r>
+          </a:p>
+          <a:p>
+            <a:pPr>
+              <a:buNone/>
+            </a:pPr>
+            <a:r>
+              <a:rPr lang="en-US" sz="2400" dirty="0" smtClean="0"/>
+              <a:t>]);</a:t>
+            </a:r>
+          </a:p>
+          <a:p>
+            <a:pPr>
+              <a:buNone/>
+            </a:pPr>
+            <a:r>
+              <a:rPr lang="en-US" dirty="0" smtClean="0"/>
+              <a:t>$</a:t>
+            </a:r>
+            <a:r>
+              <a:rPr lang="en-US" dirty="0" err="1" smtClean="0"/>
+              <a:t>Emp</a:t>
+            </a:r>
+            <a:r>
+              <a:rPr lang="en-US" dirty="0" smtClean="0"/>
+              <a:t>= new </a:t>
+            </a:r>
+            <a:r>
+              <a:rPr lang="en-US" dirty="0" err="1" smtClean="0"/>
+              <a:t>Emp</a:t>
             </a:r>
             <a:r>
               <a:rPr lang="en-US" dirty="0" smtClean="0"/>
@@ -4611,100 +5041,99 @@
             </a:r>
           </a:p>
           <a:p>
-            <a:pPr lvl="1"/>
-            <a:r>
-              <a:rPr lang="en-US" dirty="0" smtClean="0"/>
+            <a:pPr>
+              <a:buNone/>
+            </a:pPr>
+            <a:r>
+              <a:rPr lang="en-US" sz="2800" dirty="0" smtClean="0"/>
+              <a:t>$</a:t>
+            </a:r>
+            <a:r>
+              <a:rPr lang="en-US" sz="2800" dirty="0" smtClean="0"/>
               <a:t> </a:t>
             </a:r>
             <a:r>
-              <a:rPr lang="en-US" dirty="0" smtClean="0"/>
-              <a:t>$flight-&gt;save</a:t>
-            </a:r>
-            <a:r>
-              <a:rPr lang="en-US" dirty="0" smtClean="0"/>
-              <a:t>();</a:t>
-            </a:r>
-          </a:p>
-          <a:p>
-            <a:r>
-              <a:rPr lang="en-US" b="1" dirty="0" smtClean="0"/>
-              <a:t>Updates</a:t>
-            </a:r>
-          </a:p>
-          <a:p>
-            <a:pPr lvl="1"/>
-            <a:r>
-              <a:rPr lang="en-US" dirty="0" smtClean="0"/>
-              <a:t>$flight = App\Flight::find(1); </a:t>
-            </a:r>
-          </a:p>
-          <a:p>
-            <a:pPr lvl="1"/>
-            <a:r>
-              <a:rPr lang="en-US" dirty="0" smtClean="0"/>
-              <a:t>$flight-&gt;name = 'New Flight Name';</a:t>
-            </a:r>
-          </a:p>
-          <a:p>
-            <a:pPr lvl="1"/>
-            <a:r>
-              <a:rPr lang="en-US" dirty="0" smtClean="0"/>
-              <a:t> $flight-&gt;save</a:t>
-            </a:r>
-            <a:r>
-              <a:rPr lang="en-US" dirty="0" smtClean="0"/>
-              <a:t>();</a:t>
-            </a:r>
-          </a:p>
-          <a:p>
-            <a:r>
-              <a:rPr lang="en-US" b="1" dirty="0" smtClean="0"/>
-              <a:t>Deleting</a:t>
-            </a:r>
-          </a:p>
-          <a:p>
-            <a:pPr lvl="1"/>
+              <a:rPr lang="en-US" sz="2800" dirty="0" err="1" smtClean="0"/>
+              <a:t>Emp</a:t>
+            </a:r>
+            <a:r>
+              <a:rPr lang="en-US" sz="2800" dirty="0" smtClean="0"/>
+              <a:t> </a:t>
+            </a:r>
+            <a:r>
+              <a:rPr lang="en-US" sz="2800" dirty="0" smtClean="0"/>
+              <a:t>&gt;</a:t>
+            </a:r>
+            <a:r>
+              <a:rPr lang="en-US" sz="2800" dirty="0" smtClean="0"/>
+              <a:t>fill( $request-&gt;only</a:t>
+            </a:r>
+            <a:r>
+              <a:rPr lang="en-US" sz="2800" dirty="0" smtClean="0"/>
+              <a:t>($</a:t>
+            </a:r>
+            <a:r>
+              <a:rPr lang="en-US" sz="2800" dirty="0" smtClean="0"/>
+              <a:t> </a:t>
+            </a:r>
+            <a:r>
+              <a:rPr lang="en-US" sz="2800" dirty="0" err="1" smtClean="0"/>
+              <a:t>Emp</a:t>
+            </a:r>
+            <a:r>
+              <a:rPr lang="en-US" sz="2800" dirty="0" smtClean="0"/>
+              <a:t> </a:t>
+            </a:r>
+            <a:r>
+              <a:rPr lang="en-US" sz="2800" dirty="0" smtClean="0"/>
+              <a:t>&gt;</a:t>
+            </a:r>
+            <a:r>
+              <a:rPr lang="en-US" sz="2800" dirty="0" err="1" smtClean="0"/>
+              <a:t>getFillable</a:t>
+            </a:r>
+            <a:r>
+              <a:rPr lang="en-US" sz="2800" dirty="0" smtClean="0"/>
+              <a:t>()));</a:t>
+            </a:r>
+          </a:p>
+          <a:p>
+            <a:pPr>
+              <a:buNone/>
+            </a:pPr>
             <a:r>
               <a:rPr lang="en-US" dirty="0" smtClean="0"/>
               <a:t>$</a:t>
             </a:r>
             <a:r>
-              <a:rPr lang="en-US" dirty="0" smtClean="0"/>
-              <a:t>flight = App\Flight::find(1</a:t>
-            </a:r>
-            <a:r>
-              <a:rPr lang="en-US" dirty="0" smtClean="0"/>
-              <a:t>);</a:t>
-            </a:r>
-          </a:p>
-          <a:p>
-            <a:pPr lvl="1"/>
-            <a:r>
-              <a:rPr lang="en-US" dirty="0" smtClean="0"/>
-              <a:t> </a:t>
-            </a:r>
-            <a:r>
-              <a:rPr lang="en-US" dirty="0" smtClean="0"/>
-              <a:t>$flight-&gt;delete</a:t>
-            </a:r>
-            <a:r>
-              <a:rPr lang="en-US" dirty="0" smtClean="0"/>
-              <a:t>();</a:t>
-            </a:r>
-          </a:p>
-          <a:p>
-            <a:pPr lvl="1"/>
-            <a:r>
-              <a:rPr lang="en-US" dirty="0" smtClean="0"/>
-              <a:t>App\Flight::destroy(1, 2, 3);</a:t>
-            </a:r>
+              <a:rPr lang="en-US" dirty="0" err="1" smtClean="0"/>
+              <a:t>Emp</a:t>
+            </a:r>
+            <a:r>
+              <a:rPr lang="en-US" dirty="0" smtClean="0"/>
+              <a:t>-</a:t>
+            </a:r>
+            <a:r>
+              <a:rPr lang="en-US" dirty="0" smtClean="0"/>
+              <a:t>&gt;save();</a:t>
+            </a:r>
+          </a:p>
+          <a:p>
+            <a:pPr>
+              <a:buNone/>
+            </a:pPr>
+            <a:endParaRPr lang="en-US" sz="2400" dirty="0" smtClean="0"/>
+          </a:p>
+          <a:p>
             <a:endParaRPr lang="en-US" dirty="0" smtClean="0"/>
           </a:p>
           <a:p>
             <a:endParaRPr lang="en-US" dirty="0" smtClean="0"/>
           </a:p>
           <a:p>
-            <a:pPr lvl="1"/>
+            <a:endParaRPr lang="en-US" dirty="0" smtClean="0"/>
+          </a:p>
+          <a:p>
             <a:endParaRPr lang="en-US" dirty="0" smtClean="0"/>
           </a:p>
           <a:p>
